--- a/material/labor_keyword.pptx
+++ b/material/labor_keyword.pptx
@@ -6,6 +6,7 @@
   </p:sldMasterIdLst>
   <p:sldIdLst>
     <p:sldId id="256" r:id="rId2"/>
+    <p:sldId id="257" r:id="rId3"/>
   </p:sldIdLst>
   <p:sldSz cx="12192000" cy="6858000"/>
   <p:notesSz cx="6858000" cy="9144000"/>
@@ -104,6 +105,11 @@
       </a:defRPr>
     </a:lvl9pPr>
   </p:defaultTextStyle>
+  <p:extLst>
+    <p:ext uri="{EFAFB233-063F-42B5-8137-9DF3F51BA10A}">
+      <p15:sldGuideLst xmlns:p15="http://schemas.microsoft.com/office/powerpoint/2012/main"/>
+    </p:ext>
+  </p:extLst>
 </p:presentation>
 </file>
 
@@ -254,7 +260,7 @@
           <a:p>
             <a:fld id="{64AF8FE4-B90A-4393-AA64-F7F02955704D}" type="datetimeFigureOut">
               <a:rPr kumimoji="1" lang="ja-JP" altLang="en-US" smtClean="0"/>
-              <a:t>2025/10/6</a:t>
+              <a:t>2025/10/9</a:t>
             </a:fld>
             <a:endParaRPr kumimoji="1" lang="ja-JP" altLang="en-US"/>
           </a:p>
@@ -542,7 +548,7 @@
           <a:p>
             <a:fld id="{64AF8FE4-B90A-4393-AA64-F7F02955704D}" type="datetimeFigureOut">
               <a:rPr kumimoji="1" lang="ja-JP" altLang="en-US" smtClean="0"/>
-              <a:t>2025/10/6</a:t>
+              <a:t>2025/10/9</a:t>
             </a:fld>
             <a:endParaRPr kumimoji="1" lang="ja-JP" altLang="en-US"/>
           </a:p>
@@ -772,7 +778,7 @@
           <a:p>
             <a:fld id="{64AF8FE4-B90A-4393-AA64-F7F02955704D}" type="datetimeFigureOut">
               <a:rPr kumimoji="1" lang="ja-JP" altLang="en-US" smtClean="0"/>
-              <a:t>2025/10/6</a:t>
+              <a:t>2025/10/9</a:t>
             </a:fld>
             <a:endParaRPr kumimoji="1" lang="ja-JP" altLang="en-US"/>
           </a:p>
@@ -1012,7 +1018,7 @@
           <a:p>
             <a:fld id="{64AF8FE4-B90A-4393-AA64-F7F02955704D}" type="datetimeFigureOut">
               <a:rPr kumimoji="1" lang="ja-JP" altLang="en-US" smtClean="0"/>
-              <a:t>2025/10/6</a:t>
+              <a:t>2025/10/9</a:t>
             </a:fld>
             <a:endParaRPr kumimoji="1" lang="ja-JP" altLang="en-US"/>
           </a:p>
@@ -1242,7 +1248,7 @@
           <a:p>
             <a:fld id="{64AF8FE4-B90A-4393-AA64-F7F02955704D}" type="datetimeFigureOut">
               <a:rPr kumimoji="1" lang="ja-JP" altLang="en-US" smtClean="0"/>
-              <a:t>2025/10/6</a:t>
+              <a:t>2025/10/9</a:t>
             </a:fld>
             <a:endParaRPr kumimoji="1" lang="ja-JP" altLang="en-US"/>
           </a:p>
@@ -1449,7 +1455,7 @@
           <a:p>
             <a:fld id="{64AF8FE4-B90A-4393-AA64-F7F02955704D}" type="datetimeFigureOut">
               <a:rPr kumimoji="1" lang="ja-JP" altLang="en-US" smtClean="0"/>
-              <a:t>2025/10/6</a:t>
+              <a:t>2025/10/9</a:t>
             </a:fld>
             <a:endParaRPr kumimoji="1" lang="ja-JP" altLang="en-US"/>
           </a:p>
@@ -1724,7 +1730,7 @@
           <a:p>
             <a:fld id="{64AF8FE4-B90A-4393-AA64-F7F02955704D}" type="datetimeFigureOut">
               <a:rPr kumimoji="1" lang="ja-JP" altLang="en-US" smtClean="0"/>
-              <a:t>2025/10/6</a:t>
+              <a:t>2025/10/9</a:t>
             </a:fld>
             <a:endParaRPr kumimoji="1" lang="ja-JP" altLang="en-US"/>
           </a:p>
@@ -2053,7 +2059,7 @@
           <a:p>
             <a:fld id="{64AF8FE4-B90A-4393-AA64-F7F02955704D}" type="datetimeFigureOut">
               <a:rPr kumimoji="1" lang="ja-JP" altLang="en-US" smtClean="0"/>
-              <a:t>2025/10/6</a:t>
+              <a:t>2025/10/9</a:t>
             </a:fld>
             <a:endParaRPr kumimoji="1" lang="ja-JP" altLang="en-US"/>
           </a:p>
@@ -2529,7 +2535,7 @@
           <a:p>
             <a:fld id="{64AF8FE4-B90A-4393-AA64-F7F02955704D}" type="datetimeFigureOut">
               <a:rPr kumimoji="1" lang="ja-JP" altLang="en-US" smtClean="0"/>
-              <a:t>2025/10/6</a:t>
+              <a:t>2025/10/9</a:t>
             </a:fld>
             <a:endParaRPr kumimoji="1" lang="ja-JP" altLang="en-US"/>
           </a:p>
@@ -2670,7 +2676,7 @@
           <a:p>
             <a:fld id="{64AF8FE4-B90A-4393-AA64-F7F02955704D}" type="datetimeFigureOut">
               <a:rPr kumimoji="1" lang="ja-JP" altLang="en-US" smtClean="0"/>
-              <a:t>2025/10/6</a:t>
+              <a:t>2025/10/9</a:t>
             </a:fld>
             <a:endParaRPr kumimoji="1" lang="ja-JP" altLang="en-US"/>
           </a:p>
@@ -2783,7 +2789,7 @@
           <a:p>
             <a:fld id="{64AF8FE4-B90A-4393-AA64-F7F02955704D}" type="datetimeFigureOut">
               <a:rPr kumimoji="1" lang="ja-JP" altLang="en-US" smtClean="0"/>
-              <a:t>2025/10/6</a:t>
+              <a:t>2025/10/9</a:t>
             </a:fld>
             <a:endParaRPr kumimoji="1" lang="ja-JP" altLang="en-US"/>
           </a:p>
@@ -3126,7 +3132,7 @@
           <a:p>
             <a:fld id="{64AF8FE4-B90A-4393-AA64-F7F02955704D}" type="datetimeFigureOut">
               <a:rPr kumimoji="1" lang="ja-JP" altLang="en-US" smtClean="0"/>
-              <a:t>2025/10/6</a:t>
+              <a:t>2025/10/9</a:t>
             </a:fld>
             <a:endParaRPr kumimoji="1" lang="ja-JP" altLang="en-US"/>
           </a:p>
@@ -3399,7 +3405,7 @@
           <a:p>
             <a:fld id="{64AF8FE4-B90A-4393-AA64-F7F02955704D}" type="datetimeFigureOut">
               <a:rPr kumimoji="1" lang="ja-JP" altLang="en-US" smtClean="0"/>
-              <a:t>2025/10/6</a:t>
+              <a:t>2025/10/9</a:t>
             </a:fld>
             <a:endParaRPr kumimoji="1" lang="ja-JP" altLang="en-US"/>
           </a:p>
@@ -3856,6 +3862,77 @@
     <p:extLst>
       <p:ext uri="{BB962C8B-B14F-4D97-AF65-F5344CB8AC3E}">
         <p14:creationId xmlns:p14="http://schemas.microsoft.com/office/powerpoint/2010/main" val="4168230891"/>
+      </p:ext>
+    </p:extLst>
+  </p:cSld>
+  <p:clrMapOvr>
+    <a:masterClrMapping/>
+  </p:clrMapOvr>
+</p:sld>
+</file>
+
+<file path=ppt/slides/slide2.xml><?xml version="1.0" encoding="utf-8"?>
+<p:sld xmlns:a="http://schemas.openxmlformats.org/drawingml/2006/main" xmlns:r="http://schemas.openxmlformats.org/officeDocument/2006/relationships" xmlns:p="http://schemas.openxmlformats.org/presentationml/2006/main">
+  <p:cSld>
+    <p:spTree>
+      <p:nvGrpSpPr>
+        <p:cNvPr id="1" name="">
+          <a:extLst>
+            <a:ext uri="{FF2B5EF4-FFF2-40B4-BE49-F238E27FC236}">
+              <a16:creationId xmlns:a16="http://schemas.microsoft.com/office/drawing/2014/main" id="{F5000ABD-80C1-DCD4-A4CE-FFDBA5AF36B8}"/>
+            </a:ext>
+          </a:extLst>
+        </p:cNvPr>
+        <p:cNvGrpSpPr/>
+        <p:nvPr/>
+      </p:nvGrpSpPr>
+      <p:grpSpPr>
+        <a:xfrm>
+          <a:off x="0" y="0"/>
+          <a:ext cx="0" cy="0"/>
+          <a:chOff x="0" y="0"/>
+          <a:chExt cx="0" cy="0"/>
+        </a:xfrm>
+      </p:grpSpPr>
+      <p:sp>
+        <p:nvSpPr>
+          <p:cNvPr id="5" name="テキスト ボックス 4">
+            <a:extLst>
+              <a:ext uri="{FF2B5EF4-FFF2-40B4-BE49-F238E27FC236}">
+                <a16:creationId xmlns:a16="http://schemas.microsoft.com/office/drawing/2014/main" id="{B1450076-2167-22FE-92F8-FC1EA2DFCE74}"/>
+              </a:ext>
+            </a:extLst>
+          </p:cNvPr>
+          <p:cNvSpPr txBox="1"/>
+          <p:nvPr/>
+        </p:nvSpPr>
+        <p:spPr>
+          <a:xfrm>
+            <a:off x="0" y="0"/>
+            <a:ext cx="12191999" cy="6857999"/>
+          </a:xfrm>
+          <a:prstGeom prst="rect">
+            <a:avLst/>
+          </a:prstGeom>
+          <a:noFill/>
+        </p:spPr>
+        <p:txBody>
+          <a:bodyPr wrap="square" rtlCol="0" anchor="ctr" anchorCtr="1">
+            <a:noAutofit/>
+          </a:bodyPr>
+          <a:lstStyle/>
+          <a:p>
+            <a:r>
+              <a:rPr kumimoji="1" lang="ja-JP" altLang="en-US" sz="20000" dirty="0"/>
+              <a:t>労働市場</a:t>
+            </a:r>
+          </a:p>
+        </p:txBody>
+      </p:sp>
+    </p:spTree>
+    <p:extLst>
+      <p:ext uri="{BB962C8B-B14F-4D97-AF65-F5344CB8AC3E}">
+        <p14:creationId xmlns:p14="http://schemas.microsoft.com/office/powerpoint/2010/main" val="2467079064"/>
       </p:ext>
     </p:extLst>
   </p:cSld>
